--- a/docs/pptx/sing_sing_sing_intercpver.pptx
+++ b/docs/pptx/sing_sing_sing_intercpver.pptx
@@ -1,33 +1,31 @@
 
 <file path=ppt/presentation.xml><?xml version="1.0" encoding="utf-8"?>
-<p:presentation xmlns:a="http://schemas.openxmlformats.org/drawingml/2006/main" xmlns:r="http://schemas.openxmlformats.org/officeDocument/2006/relationships" xmlns:p="http://schemas.openxmlformats.org/presentationml/2006/main" saveSubsetFonts="1">
+<p:presentation xmlns:a="http://schemas.openxmlformats.org/drawingml/2006/main" xmlns:r="http://schemas.openxmlformats.org/officeDocument/2006/relationships" xmlns:p="http://schemas.openxmlformats.org/presentationml/2006/main" saveSubsetFonts="1" autoCompressPictures="0">
   <p:sldMasterIdLst>
-    <p:sldMasterId id="2147483660" r:id="rId1"/>
+    <p:sldMasterId id="2147483670" r:id="rId1"/>
   </p:sldMasterIdLst>
   <p:notesMasterIdLst>
-    <p:notesMasterId r:id="rId14"/>
+    <p:notesMasterId r:id="rId12"/>
   </p:notesMasterIdLst>
   <p:sldIdLst>
     <p:sldId id="648" r:id="rId2"/>
-    <p:sldId id="649" r:id="rId3"/>
-    <p:sldId id="650" r:id="rId4"/>
-    <p:sldId id="651" r:id="rId5"/>
-    <p:sldId id="652" r:id="rId6"/>
-    <p:sldId id="654" r:id="rId7"/>
-    <p:sldId id="655" r:id="rId8"/>
-    <p:sldId id="656" r:id="rId9"/>
-    <p:sldId id="657" r:id="rId10"/>
-    <p:sldId id="658" r:id="rId11"/>
-    <p:sldId id="659" r:id="rId12"/>
-    <p:sldId id="660" r:id="rId13"/>
+    <p:sldId id="650" r:id="rId3"/>
+    <p:sldId id="651" r:id="rId4"/>
+    <p:sldId id="652" r:id="rId5"/>
+    <p:sldId id="654" r:id="rId6"/>
+    <p:sldId id="655" r:id="rId7"/>
+    <p:sldId id="656" r:id="rId8"/>
+    <p:sldId id="657" r:id="rId9"/>
+    <p:sldId id="658" r:id="rId10"/>
+    <p:sldId id="659" r:id="rId11"/>
   </p:sldIdLst>
   <p:sldSz cx="12192000" cy="6858000"/>
   <p:notesSz cx="6858000" cy="9144000"/>
   <p:defaultTextStyle>
     <a:defPPr>
-      <a:defRPr lang="ko-KR"/>
+      <a:defRPr lang="en-US"/>
     </a:defPPr>
-    <a:lvl1pPr marL="0" algn="l" defTabSz="914400" rtl="0" eaLnBrk="1" latinLnBrk="1" hangingPunct="1">
+    <a:lvl1pPr marL="0" algn="l" defTabSz="914400" rtl="0" eaLnBrk="1" latinLnBrk="0" hangingPunct="1">
       <a:defRPr sz="1800" kern="1200">
         <a:solidFill>
           <a:schemeClr val="tx1"/>
@@ -37,7 +35,7 @@
         <a:cs typeface="+mn-cs"/>
       </a:defRPr>
     </a:lvl1pPr>
-    <a:lvl2pPr marL="457200" algn="l" defTabSz="914400" rtl="0" eaLnBrk="1" latinLnBrk="1" hangingPunct="1">
+    <a:lvl2pPr marL="457200" algn="l" defTabSz="914400" rtl="0" eaLnBrk="1" latinLnBrk="0" hangingPunct="1">
       <a:defRPr sz="1800" kern="1200">
         <a:solidFill>
           <a:schemeClr val="tx1"/>
@@ -47,7 +45,7 @@
         <a:cs typeface="+mn-cs"/>
       </a:defRPr>
     </a:lvl2pPr>
-    <a:lvl3pPr marL="914400" algn="l" defTabSz="914400" rtl="0" eaLnBrk="1" latinLnBrk="1" hangingPunct="1">
+    <a:lvl3pPr marL="914400" algn="l" defTabSz="914400" rtl="0" eaLnBrk="1" latinLnBrk="0" hangingPunct="1">
       <a:defRPr sz="1800" kern="1200">
         <a:solidFill>
           <a:schemeClr val="tx1"/>
@@ -57,7 +55,7 @@
         <a:cs typeface="+mn-cs"/>
       </a:defRPr>
     </a:lvl3pPr>
-    <a:lvl4pPr marL="1371600" algn="l" defTabSz="914400" rtl="0" eaLnBrk="1" latinLnBrk="1" hangingPunct="1">
+    <a:lvl4pPr marL="1371600" algn="l" defTabSz="914400" rtl="0" eaLnBrk="1" latinLnBrk="0" hangingPunct="1">
       <a:defRPr sz="1800" kern="1200">
         <a:solidFill>
           <a:schemeClr val="tx1"/>
@@ -67,7 +65,7 @@
         <a:cs typeface="+mn-cs"/>
       </a:defRPr>
     </a:lvl4pPr>
-    <a:lvl5pPr marL="1828800" algn="l" defTabSz="914400" rtl="0" eaLnBrk="1" latinLnBrk="1" hangingPunct="1">
+    <a:lvl5pPr marL="1828800" algn="l" defTabSz="914400" rtl="0" eaLnBrk="1" latinLnBrk="0" hangingPunct="1">
       <a:defRPr sz="1800" kern="1200">
         <a:solidFill>
           <a:schemeClr val="tx1"/>
@@ -77,7 +75,7 @@
         <a:cs typeface="+mn-cs"/>
       </a:defRPr>
     </a:lvl5pPr>
-    <a:lvl6pPr marL="2286000" algn="l" defTabSz="914400" rtl="0" eaLnBrk="1" latinLnBrk="1" hangingPunct="1">
+    <a:lvl6pPr marL="2286000" algn="l" defTabSz="914400" rtl="0" eaLnBrk="1" latinLnBrk="0" hangingPunct="1">
       <a:defRPr sz="1800" kern="1200">
         <a:solidFill>
           <a:schemeClr val="tx1"/>
@@ -87,7 +85,7 @@
         <a:cs typeface="+mn-cs"/>
       </a:defRPr>
     </a:lvl6pPr>
-    <a:lvl7pPr marL="2743200" algn="l" defTabSz="914400" rtl="0" eaLnBrk="1" latinLnBrk="1" hangingPunct="1">
+    <a:lvl7pPr marL="2743200" algn="l" defTabSz="914400" rtl="0" eaLnBrk="1" latinLnBrk="0" hangingPunct="1">
       <a:defRPr sz="1800" kern="1200">
         <a:solidFill>
           <a:schemeClr val="tx1"/>
@@ -97,7 +95,7 @@
         <a:cs typeface="+mn-cs"/>
       </a:defRPr>
     </a:lvl7pPr>
-    <a:lvl8pPr marL="3200400" algn="l" defTabSz="914400" rtl="0" eaLnBrk="1" latinLnBrk="1" hangingPunct="1">
+    <a:lvl8pPr marL="3200400" algn="l" defTabSz="914400" rtl="0" eaLnBrk="1" latinLnBrk="0" hangingPunct="1">
       <a:defRPr sz="1800" kern="1200">
         <a:solidFill>
           <a:schemeClr val="tx1"/>
@@ -107,7 +105,7 @@
         <a:cs typeface="+mn-cs"/>
       </a:defRPr>
     </a:lvl8pPr>
-    <a:lvl9pPr marL="3657600" algn="l" defTabSz="914400" rtl="0" eaLnBrk="1" latinLnBrk="1" hangingPunct="1">
+    <a:lvl9pPr marL="3657600" algn="l" defTabSz="914400" rtl="0" eaLnBrk="1" latinLnBrk="0" hangingPunct="1">
       <a:defRPr sz="1800" kern="1200">
         <a:solidFill>
           <a:schemeClr val="tx1"/>
@@ -118,11 +116,6 @@
       </a:defRPr>
     </a:lvl9pPr>
   </p:defaultTextStyle>
-  <p:extLst>
-    <p:ext uri="{EFAFB233-063F-42B5-8137-9DF3F51BA10A}">
-      <p15:sldGuideLst xmlns:p15="http://schemas.microsoft.com/office/powerpoint/2012/main"/>
-    </p:ext>
-  </p:extLst>
 </p:presentation>
 </file>
 
@@ -150,7 +143,7 @@
       </p:grpSpPr>
       <p:sp>
         <p:nvSpPr>
-          <p:cNvPr id="2" name="머리글 개체 틀 1"/>
+          <p:cNvPr id="2" name="Header Placeholder 1"/>
           <p:cNvSpPr>
             <a:spLocks noGrp="1"/>
           </p:cNvSpPr>
@@ -175,13 +168,13 @@
             </a:lvl1pPr>
           </a:lstStyle>
           <a:p>
-            <a:endParaRPr lang="ko-KR" altLang="en-US"/>
-          </a:p>
-        </p:txBody>
-      </p:sp>
-      <p:sp>
-        <p:nvSpPr>
-          <p:cNvPr id="3" name="날짜 개체 틀 2"/>
+            <a:endParaRPr lang="en-US"/>
+          </a:p>
+        </p:txBody>
+      </p:sp>
+      <p:sp>
+        <p:nvSpPr>
+          <p:cNvPr id="3" name="Date Placeholder 2"/>
           <p:cNvSpPr>
             <a:spLocks noGrp="1"/>
           </p:cNvSpPr>
@@ -206,17 +199,17 @@
             </a:lvl1pPr>
           </a:lstStyle>
           <a:p>
-            <a:fld id="{D1121285-C9DD-482F-BD75-B29C9D5A2E87}" type="datetimeFigureOut">
-              <a:rPr lang="ko-KR" altLang="en-US" smtClean="0"/>
-              <a:t>2022-11-19</a:t>
+            <a:fld id="{EBAB7F1C-C263-7144-B7F4-E2BF2A698160}" type="datetimeFigureOut">
+              <a:rPr lang="en-US" smtClean="0"/>
+              <a:t>10/19/25</a:t>
             </a:fld>
-            <a:endParaRPr lang="ko-KR" altLang="en-US"/>
-          </a:p>
-        </p:txBody>
-      </p:sp>
-      <p:sp>
-        <p:nvSpPr>
-          <p:cNvPr id="4" name="슬라이드 이미지 개체 틀 3"/>
+            <a:endParaRPr lang="en-US"/>
+          </a:p>
+        </p:txBody>
+      </p:sp>
+      <p:sp>
+        <p:nvSpPr>
+          <p:cNvPr id="4" name="Slide Image Placeholder 3"/>
           <p:cNvSpPr>
             <a:spLocks noGrp="1" noRot="1" noChangeAspect="1"/>
           </p:cNvSpPr>
@@ -243,13 +236,13 @@
           <a:bodyPr vert="horz" lIns="91440" tIns="45720" rIns="91440" bIns="45720" rtlCol="0" anchor="ctr"/>
           <a:lstStyle/>
           <a:p>
-            <a:endParaRPr lang="ko-KR" altLang="en-US"/>
-          </a:p>
-        </p:txBody>
-      </p:sp>
-      <p:sp>
-        <p:nvSpPr>
-          <p:cNvPr id="5" name="슬라이드 노트 개체 틀 4"/>
+            <a:endParaRPr lang="en-US"/>
+          </a:p>
+        </p:txBody>
+      </p:sp>
+      <p:sp>
+        <p:nvSpPr>
+          <p:cNvPr id="5" name="Notes Placeholder 4"/>
           <p:cNvSpPr>
             <a:spLocks noGrp="1"/>
           </p:cNvSpPr>
@@ -272,43 +265,43 @@
           <a:p>
             <a:pPr lvl="0"/>
             <a:r>
-              <a:rPr lang="ko-KR" altLang="en-US"/>
-              <a:t>마스터 텍스트 스타일을 편집하려면 클릭</a:t>
+              <a:rPr lang="en-US"/>
+              <a:t>Click to edit Master text styles</a:t>
             </a:r>
           </a:p>
           <a:p>
             <a:pPr lvl="1"/>
             <a:r>
-              <a:rPr lang="ko-KR" altLang="en-US"/>
-              <a:t>두 번째 수준</a:t>
+              <a:rPr lang="en-US"/>
+              <a:t>Second level</a:t>
             </a:r>
           </a:p>
           <a:p>
             <a:pPr lvl="2"/>
             <a:r>
-              <a:rPr lang="ko-KR" altLang="en-US"/>
-              <a:t>세 번째 수준</a:t>
+              <a:rPr lang="en-US"/>
+              <a:t>Third level</a:t>
             </a:r>
           </a:p>
           <a:p>
             <a:pPr lvl="3"/>
             <a:r>
-              <a:rPr lang="ko-KR" altLang="en-US"/>
-              <a:t>네 번째 수준</a:t>
+              <a:rPr lang="en-US"/>
+              <a:t>Fourth level</a:t>
             </a:r>
           </a:p>
           <a:p>
             <a:pPr lvl="4"/>
             <a:r>
-              <a:rPr lang="ko-KR" altLang="en-US"/>
-              <a:t>다섯 번째 수준</a:t>
-            </a:r>
-          </a:p>
-        </p:txBody>
-      </p:sp>
-      <p:sp>
-        <p:nvSpPr>
-          <p:cNvPr id="6" name="바닥글 개체 틀 5"/>
+              <a:rPr lang="en-US"/>
+              <a:t>Fifth level</a:t>
+            </a:r>
+          </a:p>
+        </p:txBody>
+      </p:sp>
+      <p:sp>
+        <p:nvSpPr>
+          <p:cNvPr id="6" name="Footer Placeholder 5"/>
           <p:cNvSpPr>
             <a:spLocks noGrp="1"/>
           </p:cNvSpPr>
@@ -333,13 +326,13 @@
             </a:lvl1pPr>
           </a:lstStyle>
           <a:p>
-            <a:endParaRPr lang="ko-KR" altLang="en-US"/>
-          </a:p>
-        </p:txBody>
-      </p:sp>
-      <p:sp>
-        <p:nvSpPr>
-          <p:cNvPr id="7" name="슬라이드 번호 개체 틀 6"/>
+            <a:endParaRPr lang="en-US"/>
+          </a:p>
+        </p:txBody>
+      </p:sp>
+      <p:sp>
+        <p:nvSpPr>
+          <p:cNvPr id="7" name="Slide Number Placeholder 6"/>
           <p:cNvSpPr>
             <a:spLocks noGrp="1"/>
           </p:cNvSpPr>
@@ -364,24 +357,24 @@
             </a:lvl1pPr>
           </a:lstStyle>
           <a:p>
-            <a:fld id="{24371651-EF8A-4BB4-83F9-868915C1A0F5}" type="slidenum">
-              <a:rPr lang="ko-KR" altLang="en-US" smtClean="0"/>
+            <a:fld id="{54CBFC86-7B9D-8840-B6E0-278D07F0F3E1}" type="slidenum">
+              <a:rPr lang="en-US" smtClean="0"/>
               <a:t>‹#›</a:t>
             </a:fld>
-            <a:endParaRPr lang="ko-KR" altLang="en-US"/>
+            <a:endParaRPr lang="en-US"/>
           </a:p>
         </p:txBody>
       </p:sp>
     </p:spTree>
     <p:extLst>
       <p:ext uri="{BB962C8B-B14F-4D97-AF65-F5344CB8AC3E}">
-        <p14:creationId xmlns:p14="http://schemas.microsoft.com/office/powerpoint/2010/main" val="222797250"/>
+        <p14:creationId xmlns:p14="http://schemas.microsoft.com/office/powerpoint/2010/main" val="3905841355"/>
       </p:ext>
     </p:extLst>
   </p:cSld>
   <p:clrMap bg1="lt1" tx1="dk1" bg2="lt2" tx2="dk2" accent1="accent1" accent2="accent2" accent3="accent3" accent4="accent4" accent5="accent5" accent6="accent6" hlink="hlink" folHlink="folHlink"/>
   <p:notesStyle>
-    <a:lvl1pPr marL="0" algn="l" defTabSz="914400" rtl="0" eaLnBrk="1" latinLnBrk="1" hangingPunct="1">
+    <a:lvl1pPr marL="0" algn="l" defTabSz="914400" rtl="0" eaLnBrk="1" latinLnBrk="0" hangingPunct="1">
       <a:defRPr sz="1200" kern="1200">
         <a:solidFill>
           <a:schemeClr val="tx1"/>
@@ -391,7 +384,7 @@
         <a:cs typeface="+mn-cs"/>
       </a:defRPr>
     </a:lvl1pPr>
-    <a:lvl2pPr marL="457200" algn="l" defTabSz="914400" rtl="0" eaLnBrk="1" latinLnBrk="1" hangingPunct="1">
+    <a:lvl2pPr marL="457200" algn="l" defTabSz="914400" rtl="0" eaLnBrk="1" latinLnBrk="0" hangingPunct="1">
       <a:defRPr sz="1200" kern="1200">
         <a:solidFill>
           <a:schemeClr val="tx1"/>
@@ -401,7 +394,7 @@
         <a:cs typeface="+mn-cs"/>
       </a:defRPr>
     </a:lvl2pPr>
-    <a:lvl3pPr marL="914400" algn="l" defTabSz="914400" rtl="0" eaLnBrk="1" latinLnBrk="1" hangingPunct="1">
+    <a:lvl3pPr marL="914400" algn="l" defTabSz="914400" rtl="0" eaLnBrk="1" latinLnBrk="0" hangingPunct="1">
       <a:defRPr sz="1200" kern="1200">
         <a:solidFill>
           <a:schemeClr val="tx1"/>
@@ -411,7 +404,7 @@
         <a:cs typeface="+mn-cs"/>
       </a:defRPr>
     </a:lvl3pPr>
-    <a:lvl4pPr marL="1371600" algn="l" defTabSz="914400" rtl="0" eaLnBrk="1" latinLnBrk="1" hangingPunct="1">
+    <a:lvl4pPr marL="1371600" algn="l" defTabSz="914400" rtl="0" eaLnBrk="1" latinLnBrk="0" hangingPunct="1">
       <a:defRPr sz="1200" kern="1200">
         <a:solidFill>
           <a:schemeClr val="tx1"/>
@@ -421,7 +414,7 @@
         <a:cs typeface="+mn-cs"/>
       </a:defRPr>
     </a:lvl4pPr>
-    <a:lvl5pPr marL="1828800" algn="l" defTabSz="914400" rtl="0" eaLnBrk="1" latinLnBrk="1" hangingPunct="1">
+    <a:lvl5pPr marL="1828800" algn="l" defTabSz="914400" rtl="0" eaLnBrk="1" latinLnBrk="0" hangingPunct="1">
       <a:defRPr sz="1200" kern="1200">
         <a:solidFill>
           <a:schemeClr val="tx1"/>
@@ -431,7 +424,7 @@
         <a:cs typeface="+mn-cs"/>
       </a:defRPr>
     </a:lvl5pPr>
-    <a:lvl6pPr marL="2286000" algn="l" defTabSz="914400" rtl="0" eaLnBrk="1" latinLnBrk="1" hangingPunct="1">
+    <a:lvl6pPr marL="2286000" algn="l" defTabSz="914400" rtl="0" eaLnBrk="1" latinLnBrk="0" hangingPunct="1">
       <a:defRPr sz="1200" kern="1200">
         <a:solidFill>
           <a:schemeClr val="tx1"/>
@@ -441,7 +434,7 @@
         <a:cs typeface="+mn-cs"/>
       </a:defRPr>
     </a:lvl6pPr>
-    <a:lvl7pPr marL="2743200" algn="l" defTabSz="914400" rtl="0" eaLnBrk="1" latinLnBrk="1" hangingPunct="1">
+    <a:lvl7pPr marL="2743200" algn="l" defTabSz="914400" rtl="0" eaLnBrk="1" latinLnBrk="0" hangingPunct="1">
       <a:defRPr sz="1200" kern="1200">
         <a:solidFill>
           <a:schemeClr val="tx1"/>
@@ -451,7 +444,7 @@
         <a:cs typeface="+mn-cs"/>
       </a:defRPr>
     </a:lvl7pPr>
-    <a:lvl8pPr marL="3200400" algn="l" defTabSz="914400" rtl="0" eaLnBrk="1" latinLnBrk="1" hangingPunct="1">
+    <a:lvl8pPr marL="3200400" algn="l" defTabSz="914400" rtl="0" eaLnBrk="1" latinLnBrk="0" hangingPunct="1">
       <a:defRPr sz="1200" kern="1200">
         <a:solidFill>
           <a:schemeClr val="tx1"/>
@@ -461,7 +454,7 @@
         <a:cs typeface="+mn-cs"/>
       </a:defRPr>
     </a:lvl8pPr>
-    <a:lvl9pPr marL="3657600" algn="l" defTabSz="914400" rtl="0" eaLnBrk="1" latinLnBrk="1" hangingPunct="1">
+    <a:lvl9pPr marL="3657600" algn="l" defTabSz="914400" rtl="0" eaLnBrk="1" latinLnBrk="0" hangingPunct="1">
       <a:defRPr sz="1200" kern="1200">
         <a:solidFill>
           <a:schemeClr val="tx1"/>
@@ -675,15 +668,13 @@
           <a:p>
             <a:r>
               <a:rPr lang="ko-KR" altLang="en-US"/>
-              <a:t>어린양을 따라
-어디든지 가리라</a:t>
+              <a:t>영원하신 승리의 왕</a:t>
             </a:r>
           </a:p>
           <a:p>
             <a:r>
               <a:rPr lang="en-US" altLang="ko-KR"/>
-              <a:t>Stirring hearts for battle
-Lamb of God we follow You</a:t>
+              <a:t>Where You will go to victory</a:t>
             </a:r>
             <a:endParaRPr lang="ko-KR" altLang="en-US"/>
           </a:p>
@@ -775,315 +766,7 @@
     </p:spTree>
     <p:extLst>
       <p:ext uri="{BB962C8B-B14F-4D97-AF65-F5344CB8AC3E}">
-        <p14:creationId xmlns:p14="http://schemas.microsoft.com/office/powerpoint/2010/main" val="1247259880"/>
-      </p:ext>
-    </p:extLst>
-  </p:cSld>
-  <p:clrMapOvr>
-    <a:masterClrMapping/>
-  </p:clrMapOvr>
-</p:notes>
-</file>
-
-<file path=ppt/notesSlides/notesSlide11.xml><?xml version="1.0" encoding="utf-8"?>
-<p:notes xmlns:a="http://schemas.openxmlformats.org/drawingml/2006/main" xmlns:r="http://schemas.openxmlformats.org/officeDocument/2006/relationships" xmlns:p="http://schemas.openxmlformats.org/presentationml/2006/main">
-  <p:cSld>
-    <p:spTree>
-      <p:nvGrpSpPr>
-        <p:cNvPr id="1" name=""/>
-        <p:cNvGrpSpPr/>
-        <p:nvPr/>
-      </p:nvGrpSpPr>
-      <p:grpSpPr>
-        <a:xfrm>
-          <a:off x="0" y="0"/>
-          <a:ext cx="0" cy="0"/>
-          <a:chOff x="0" y="0"/>
-          <a:chExt cx="0" cy="0"/>
-        </a:xfrm>
-      </p:grpSpPr>
-      <p:sp>
-        <p:nvSpPr>
-          <p:cNvPr id="2" name="슬라이드 이미지 개체 틀 1"/>
-          <p:cNvSpPr>
-            <a:spLocks noGrp="1" noRot="1" noChangeAspect="1"/>
-          </p:cNvSpPr>
-          <p:nvPr>
-            <p:ph type="sldImg"/>
-          </p:nvPr>
-        </p:nvSpPr>
-        <p:spPr>
-          <a:xfrm>
-            <a:off x="381000" y="685800"/>
-            <a:ext cx="6096000" cy="3429000"/>
-          </a:xfrm>
-        </p:spPr>
-      </p:sp>
-      <p:sp>
-        <p:nvSpPr>
-          <p:cNvPr id="3" name="슬라이드 노트 개체 틀 2"/>
-          <p:cNvSpPr>
-            <a:spLocks noGrp="1"/>
-          </p:cNvSpPr>
-          <p:nvPr>
-            <p:ph type="body" idx="1"/>
-          </p:nvPr>
-        </p:nvSpPr>
-        <p:spPr/>
-        <p:txBody>
-          <a:bodyPr/>
-          <a:lstStyle/>
-          <a:p>
-            <a:r>
-              <a:rPr lang="ko-KR" altLang="en-US"/>
-              <a:t>영원하신 승리의 왕</a:t>
-            </a:r>
-          </a:p>
-          <a:p>
-            <a:r>
-              <a:rPr lang="en-US" altLang="ko-KR"/>
-              <a:t>Where You will go to victory</a:t>
-            </a:r>
-            <a:endParaRPr lang="ko-KR" altLang="en-US"/>
-          </a:p>
-        </p:txBody>
-      </p:sp>
-      <p:sp>
-        <p:nvSpPr>
-          <p:cNvPr id="4" name="슬라이드 번호 개체 틀 3"/>
-          <p:cNvSpPr>
-            <a:spLocks noGrp="1"/>
-          </p:cNvSpPr>
-          <p:nvPr>
-            <p:ph type="sldNum" sz="quarter" idx="10"/>
-          </p:nvPr>
-        </p:nvSpPr>
-        <p:spPr/>
-        <p:txBody>
-          <a:bodyPr/>
-          <a:lstStyle/>
-          <a:p>
-            <a:pPr marL="0" marR="0" lvl="0" indent="0" algn="r" defTabSz="914400" rtl="0" eaLnBrk="1" fontAlgn="auto" latinLnBrk="1" hangingPunct="1">
-              <a:lnSpc>
-                <a:spcPct val="100000"/>
-              </a:lnSpc>
-              <a:spcBef>
-                <a:spcPts val="0"/>
-              </a:spcBef>
-              <a:spcAft>
-                <a:spcPts val="0"/>
-              </a:spcAft>
-              <a:buClrTx/>
-              <a:buSzTx/>
-              <a:buFontTx/>
-              <a:buNone/>
-              <a:tabLst/>
-              <a:defRPr/>
-            </a:pPr>
-            <a:fld id="{39383D8A-D4D2-4086-97F9-697CE8084469}" type="slidenum">
-              <a:rPr kumimoji="0" lang="ko-KR" altLang="en-US" sz="1200" b="0" i="0" u="none" strike="noStrike" kern="1200" cap="none" spc="0" normalizeH="0" baseline="0" noProof="0" smtClean="0">
-                <a:ln>
-                  <a:noFill/>
-                </a:ln>
-                <a:solidFill>
-                  <a:prstClr val="black"/>
-                </a:solidFill>
-                <a:effectLst/>
-                <a:uLnTx/>
-                <a:uFillTx/>
-                <a:latin typeface="맑은 고딕"/>
-                <a:ea typeface="맑은 고딕" panose="020B0503020000020004" pitchFamily="50" charset="-127"/>
-                <a:cs typeface="+mn-cs"/>
-              </a:rPr>
-              <a:pPr marL="0" marR="0" lvl="0" indent="0" algn="r" defTabSz="914400" rtl="0" eaLnBrk="1" fontAlgn="auto" latinLnBrk="1" hangingPunct="1">
-                <a:lnSpc>
-                  <a:spcPct val="100000"/>
-                </a:lnSpc>
-                <a:spcBef>
-                  <a:spcPts val="0"/>
-                </a:spcBef>
-                <a:spcAft>
-                  <a:spcPts val="0"/>
-                </a:spcAft>
-                <a:buClrTx/>
-                <a:buSzTx/>
-                <a:buFontTx/>
-                <a:buNone/>
-                <a:tabLst/>
-                <a:defRPr/>
-              </a:pPr>
-              <a:t>11</a:t>
-            </a:fld>
-            <a:endParaRPr kumimoji="0" lang="ko-KR" altLang="en-US" sz="1200" b="0" i="0" u="none" strike="noStrike" kern="1200" cap="none" spc="0" normalizeH="0" baseline="0" noProof="0">
-              <a:ln>
-                <a:noFill/>
-              </a:ln>
-              <a:solidFill>
-                <a:prstClr val="black"/>
-              </a:solidFill>
-              <a:effectLst/>
-              <a:uLnTx/>
-              <a:uFillTx/>
-              <a:latin typeface="맑은 고딕"/>
-              <a:ea typeface="맑은 고딕" panose="020B0503020000020004" pitchFamily="50" charset="-127"/>
-              <a:cs typeface="+mn-cs"/>
-            </a:endParaRPr>
-          </a:p>
-        </p:txBody>
-      </p:sp>
-    </p:spTree>
-    <p:extLst>
-      <p:ext uri="{BB962C8B-B14F-4D97-AF65-F5344CB8AC3E}">
         <p14:creationId xmlns:p14="http://schemas.microsoft.com/office/powerpoint/2010/main" val="1645957344"/>
-      </p:ext>
-    </p:extLst>
-  </p:cSld>
-  <p:clrMapOvr>
-    <a:masterClrMapping/>
-  </p:clrMapOvr>
-</p:notes>
-</file>
-
-<file path=ppt/notesSlides/notesSlide12.xml><?xml version="1.0" encoding="utf-8"?>
-<p:notes xmlns:a="http://schemas.openxmlformats.org/drawingml/2006/main" xmlns:r="http://schemas.openxmlformats.org/officeDocument/2006/relationships" xmlns:p="http://schemas.openxmlformats.org/presentationml/2006/main">
-  <p:cSld>
-    <p:spTree>
-      <p:nvGrpSpPr>
-        <p:cNvPr id="1" name=""/>
-        <p:cNvGrpSpPr/>
-        <p:nvPr/>
-      </p:nvGrpSpPr>
-      <p:grpSpPr>
-        <a:xfrm>
-          <a:off x="0" y="0"/>
-          <a:ext cx="0" cy="0"/>
-          <a:chOff x="0" y="0"/>
-          <a:chExt cx="0" cy="0"/>
-        </a:xfrm>
-      </p:grpSpPr>
-      <p:sp>
-        <p:nvSpPr>
-          <p:cNvPr id="2" name="슬라이드 이미지 개체 틀 1"/>
-          <p:cNvSpPr>
-            <a:spLocks noGrp="1" noRot="1" noChangeAspect="1"/>
-          </p:cNvSpPr>
-          <p:nvPr>
-            <p:ph type="sldImg"/>
-          </p:nvPr>
-        </p:nvSpPr>
-        <p:spPr>
-          <a:xfrm>
-            <a:off x="381000" y="685800"/>
-            <a:ext cx="6096000" cy="3429000"/>
-          </a:xfrm>
-        </p:spPr>
-      </p:sp>
-      <p:sp>
-        <p:nvSpPr>
-          <p:cNvPr id="3" name="슬라이드 노트 개체 틀 2"/>
-          <p:cNvSpPr>
-            <a:spLocks noGrp="1"/>
-          </p:cNvSpPr>
-          <p:nvPr>
-            <p:ph type="body" idx="1"/>
-          </p:nvPr>
-        </p:nvSpPr>
-        <p:spPr/>
-        <p:txBody>
-          <a:bodyPr/>
-          <a:lstStyle/>
-          <a:p>
-            <a:endParaRPr lang="ko-KR" altLang="en-US"/>
-          </a:p>
-        </p:txBody>
-      </p:sp>
-      <p:sp>
-        <p:nvSpPr>
-          <p:cNvPr id="4" name="슬라이드 번호 개체 틀 3"/>
-          <p:cNvSpPr>
-            <a:spLocks noGrp="1"/>
-          </p:cNvSpPr>
-          <p:nvPr>
-            <p:ph type="sldNum" sz="quarter" idx="10"/>
-          </p:nvPr>
-        </p:nvSpPr>
-        <p:spPr/>
-        <p:txBody>
-          <a:bodyPr/>
-          <a:lstStyle/>
-          <a:p>
-            <a:pPr marL="0" marR="0" lvl="0" indent="0" algn="r" defTabSz="914400" rtl="0" eaLnBrk="1" fontAlgn="auto" latinLnBrk="1" hangingPunct="1">
-              <a:lnSpc>
-                <a:spcPct val="100000"/>
-              </a:lnSpc>
-              <a:spcBef>
-                <a:spcPts val="0"/>
-              </a:spcBef>
-              <a:spcAft>
-                <a:spcPts val="0"/>
-              </a:spcAft>
-              <a:buClrTx/>
-              <a:buSzTx/>
-              <a:buFontTx/>
-              <a:buNone/>
-              <a:tabLst/>
-              <a:defRPr/>
-            </a:pPr>
-            <a:fld id="{39383D8A-D4D2-4086-97F9-697CE8084469}" type="slidenum">
-              <a:rPr kumimoji="0" lang="ko-KR" altLang="en-US" sz="1200" b="0" i="0" u="none" strike="noStrike" kern="1200" cap="none" spc="0" normalizeH="0" baseline="0" noProof="0" smtClean="0">
-                <a:ln>
-                  <a:noFill/>
-                </a:ln>
-                <a:solidFill>
-                  <a:prstClr val="black"/>
-                </a:solidFill>
-                <a:effectLst/>
-                <a:uLnTx/>
-                <a:uFillTx/>
-                <a:latin typeface="맑은 고딕"/>
-                <a:ea typeface="맑은 고딕" panose="020B0503020000020004" pitchFamily="50" charset="-127"/>
-                <a:cs typeface="+mn-cs"/>
-              </a:rPr>
-              <a:pPr marL="0" marR="0" lvl="0" indent="0" algn="r" defTabSz="914400" rtl="0" eaLnBrk="1" fontAlgn="auto" latinLnBrk="1" hangingPunct="1">
-                <a:lnSpc>
-                  <a:spcPct val="100000"/>
-                </a:lnSpc>
-                <a:spcBef>
-                  <a:spcPts val="0"/>
-                </a:spcBef>
-                <a:spcAft>
-                  <a:spcPts val="0"/>
-                </a:spcAft>
-                <a:buClrTx/>
-                <a:buSzTx/>
-                <a:buFontTx/>
-                <a:buNone/>
-                <a:tabLst/>
-                <a:defRPr/>
-              </a:pPr>
-              <a:t>12</a:t>
-            </a:fld>
-            <a:endParaRPr kumimoji="0" lang="ko-KR" altLang="en-US" sz="1200" b="0" i="0" u="none" strike="noStrike" kern="1200" cap="none" spc="0" normalizeH="0" baseline="0" noProof="0">
-              <a:ln>
-                <a:noFill/>
-              </a:ln>
-              <a:solidFill>
-                <a:prstClr val="black"/>
-              </a:solidFill>
-              <a:effectLst/>
-              <a:uLnTx/>
-              <a:uFillTx/>
-              <a:latin typeface="맑은 고딕"/>
-              <a:ea typeface="맑은 고딕" panose="020B0503020000020004" pitchFamily="50" charset="-127"/>
-              <a:cs typeface="+mn-cs"/>
-            </a:endParaRPr>
-          </a:p>
-        </p:txBody>
-      </p:sp>
-    </p:spTree>
-    <p:extLst>
-      <p:ext uri="{BB962C8B-B14F-4D97-AF65-F5344CB8AC3E}">
-        <p14:creationId xmlns:p14="http://schemas.microsoft.com/office/powerpoint/2010/main" val="3045661445"/>
       </p:ext>
     </p:extLst>
   </p:cSld>
@@ -1144,13 +827,16 @@
           <a:p>
             <a:r>
               <a:rPr lang="ko-KR" altLang="en-US"/>
-              <a:t>찬양해</a:t>
+              <a:t>하늘 가득한 주의 영광
+우리 선포해</a:t>
             </a:r>
           </a:p>
           <a:p>
             <a:r>
               <a:rPr lang="en-US" altLang="ko-KR"/>
-              <a:t>Sing, sing, sing</a:t>
+              <a:t>And make music
+with the heavens
+We will sing, sing, sing</a:t>
             </a:r>
             <a:endParaRPr lang="ko-KR" altLang="en-US"/>
           </a:p>
@@ -1242,7 +928,7 @@
     </p:spTree>
     <p:extLst>
       <p:ext uri="{BB962C8B-B14F-4D97-AF65-F5344CB8AC3E}">
-        <p14:creationId xmlns:p14="http://schemas.microsoft.com/office/powerpoint/2010/main" val="1560643656"/>
+        <p14:creationId xmlns:p14="http://schemas.microsoft.com/office/powerpoint/2010/main" val="3026884961"/>
       </p:ext>
     </p:extLst>
   </p:cSld>
@@ -1303,16 +989,16 @@
           <a:p>
             <a:r>
               <a:rPr lang="ko-KR" altLang="en-US"/>
-              <a:t>하늘 가득한 주의 영광
-우리 선포해</a:t>
+              <a:t>영원한 주의 나라 모두 경배해
+영광의 왕</a:t>
             </a:r>
           </a:p>
           <a:p>
             <a:r>
               <a:rPr lang="en-US" altLang="ko-KR"/>
-              <a:t>And make music
-with the heavens
-We will sing, sing, sing</a:t>
+              <a:t>Grateful that You hear us
+when we shout your praise
+Lift high the name</a:t>
             </a:r>
             <a:endParaRPr lang="ko-KR" altLang="en-US"/>
           </a:p>
@@ -1404,7 +1090,7 @@
     </p:spTree>
     <p:extLst>
       <p:ext uri="{BB962C8B-B14F-4D97-AF65-F5344CB8AC3E}">
-        <p14:creationId xmlns:p14="http://schemas.microsoft.com/office/powerpoint/2010/main" val="3026884961"/>
+        <p14:creationId xmlns:p14="http://schemas.microsoft.com/office/powerpoint/2010/main" val="44862150"/>
       </p:ext>
     </p:extLst>
   </p:cSld>
@@ -1465,16 +1151,13 @@
           <a:p>
             <a:r>
               <a:rPr lang="ko-KR" altLang="en-US"/>
-              <a:t>영원한 주의 나라 모두 경배해
-영광의 왕</a:t>
+              <a:t>주 예수</a:t>
             </a:r>
           </a:p>
           <a:p>
             <a:r>
               <a:rPr lang="en-US" altLang="ko-KR"/>
-              <a:t>Grateful that You hear us
-when we shout your praise
-Lift high the name</a:t>
+              <a:t>Of Jesus</a:t>
             </a:r>
             <a:endParaRPr lang="ko-KR" altLang="en-US"/>
           </a:p>
@@ -1566,7 +1249,7 @@
     </p:spTree>
     <p:extLst>
       <p:ext uri="{BB962C8B-B14F-4D97-AF65-F5344CB8AC3E}">
-        <p14:creationId xmlns:p14="http://schemas.microsoft.com/office/powerpoint/2010/main" val="44862150"/>
+        <p14:creationId xmlns:p14="http://schemas.microsoft.com/office/powerpoint/2010/main" val="301766810"/>
       </p:ext>
     </p:extLst>
   </p:cSld>
@@ -1627,13 +1310,15 @@
           <a:p>
             <a:r>
               <a:rPr lang="ko-KR" altLang="en-US"/>
-              <a:t>주 예수</a:t>
+              <a:t>하나님의 어린양
+약속하신 그 아들</a:t>
             </a:r>
           </a:p>
           <a:p>
             <a:r>
               <a:rPr lang="en-US" altLang="ko-KR"/>
-              <a:t>Of Jesus</a:t>
+              <a:t>The son of promise Jesus
+who shed His blood and freed us</a:t>
             </a:r>
             <a:endParaRPr lang="ko-KR" altLang="en-US"/>
           </a:p>
@@ -1725,7 +1410,7 @@
     </p:spTree>
     <p:extLst>
       <p:ext uri="{BB962C8B-B14F-4D97-AF65-F5344CB8AC3E}">
-        <p14:creationId xmlns:p14="http://schemas.microsoft.com/office/powerpoint/2010/main" val="301766810"/>
+        <p14:creationId xmlns:p14="http://schemas.microsoft.com/office/powerpoint/2010/main" val="2185382424"/>
       </p:ext>
     </p:extLst>
   </p:cSld>
@@ -1786,15 +1471,15 @@
           <a:p>
             <a:r>
               <a:rPr lang="ko-KR" altLang="en-US"/>
-              <a:t>하나님의 어린양
-약속하신 그 아들</a:t>
+              <a:t>예언의 성취자
+길과 진리 되신 주</a:t>
             </a:r>
           </a:p>
           <a:p>
             <a:r>
               <a:rPr lang="en-US" altLang="ko-KR"/>
-              <a:t>The son of promise Jesus
-who shed His blood and freed us</a:t>
+              <a:t>To fulfill history
+Son of God You are the one</a:t>
             </a:r>
             <a:endParaRPr lang="ko-KR" altLang="en-US"/>
           </a:p>
@@ -1886,7 +1571,7 @@
     </p:spTree>
     <p:extLst>
       <p:ext uri="{BB962C8B-B14F-4D97-AF65-F5344CB8AC3E}">
-        <p14:creationId xmlns:p14="http://schemas.microsoft.com/office/powerpoint/2010/main" val="2185382424"/>
+        <p14:creationId xmlns:p14="http://schemas.microsoft.com/office/powerpoint/2010/main" val="1461581794"/>
       </p:ext>
     </p:extLst>
   </p:cSld>
@@ -1947,15 +1632,14 @@
           <a:p>
             <a:r>
               <a:rPr lang="ko-KR" altLang="en-US"/>
-              <a:t>예언의 성취자
-길과 진리 되신 주</a:t>
+              <a:t>온 땅이여 경배하라</a:t>
             </a:r>
           </a:p>
           <a:p>
             <a:r>
               <a:rPr lang="en-US" altLang="ko-KR"/>
-              <a:t>To fulfill history
-Son of God You are the one</a:t>
+              <a:t>Let all the earth
+proclaim Your name</a:t>
             </a:r>
             <a:endParaRPr lang="ko-KR" altLang="en-US"/>
           </a:p>
@@ -2047,7 +1731,7 @@
     </p:spTree>
     <p:extLst>
       <p:ext uri="{BB962C8B-B14F-4D97-AF65-F5344CB8AC3E}">
-        <p14:creationId xmlns:p14="http://schemas.microsoft.com/office/powerpoint/2010/main" val="1461581794"/>
+        <p14:creationId xmlns:p14="http://schemas.microsoft.com/office/powerpoint/2010/main" val="2976866351"/>
       </p:ext>
     </p:extLst>
   </p:cSld>
@@ -2108,14 +1792,15 @@
           <a:p>
             <a:r>
               <a:rPr lang="ko-KR" altLang="en-US"/>
-              <a:t>온 땅이여 경배하라</a:t>
+              <a:t>거룩한 주의 군대
+전쟁의 나팔 소리</a:t>
             </a:r>
           </a:p>
           <a:p>
             <a:r>
               <a:rPr lang="en-US" altLang="ko-KR"/>
-              <a:t>Let all the earth
-proclaim Your name</a:t>
+              <a:t>God’s holy army rising
+Trumpets of war resounding</a:t>
             </a:r>
             <a:endParaRPr lang="ko-KR" altLang="en-US"/>
           </a:p>
@@ -2207,7 +1892,7 @@
     </p:spTree>
     <p:extLst>
       <p:ext uri="{BB962C8B-B14F-4D97-AF65-F5344CB8AC3E}">
-        <p14:creationId xmlns:p14="http://schemas.microsoft.com/office/powerpoint/2010/main" val="2976866351"/>
+        <p14:creationId xmlns:p14="http://schemas.microsoft.com/office/powerpoint/2010/main" val="1806083765"/>
       </p:ext>
     </p:extLst>
   </p:cSld>
@@ -2268,15 +1953,15 @@
           <a:p>
             <a:r>
               <a:rPr lang="ko-KR" altLang="en-US"/>
-              <a:t>거룩한 주의 군대
-전쟁의 나팔 소리</a:t>
+              <a:t>어린양을 따라
+어디든지 가리라</a:t>
             </a:r>
           </a:p>
           <a:p>
             <a:r>
               <a:rPr lang="en-US" altLang="ko-KR"/>
-              <a:t>God’s holy army rising
-Trumpets of war resounding</a:t>
+              <a:t>Stirring hearts for battle
+Lamb of God we follow You</a:t>
             </a:r>
             <a:endParaRPr lang="ko-KR" altLang="en-US"/>
           </a:p>
@@ -2368,7 +2053,7 @@
     </p:spTree>
     <p:extLst>
       <p:ext uri="{BB962C8B-B14F-4D97-AF65-F5344CB8AC3E}">
-        <p14:creationId xmlns:p14="http://schemas.microsoft.com/office/powerpoint/2010/main" val="1806083765"/>
+        <p14:creationId xmlns:p14="http://schemas.microsoft.com/office/powerpoint/2010/main" val="1247259880"/>
       </p:ext>
     </p:extLst>
   </p:cSld>
@@ -2454,7 +2139,7 @@
     </p:spTree>
     <p:extLst>
       <p:ext uri="{BB962C8B-B14F-4D97-AF65-F5344CB8AC3E}">
-        <p14:creationId xmlns:p14="http://schemas.microsoft.com/office/powerpoint/2010/main" val="3976497513"/>
+        <p14:creationId xmlns:p14="http://schemas.microsoft.com/office/powerpoint/2010/main" val="1582759884"/>
       </p:ext>
     </p:extLst>
   </p:cSld>
@@ -2614,7 +2299,7 @@
           <a:p>
             <a:fld id="{AE9940A0-3E67-4FB7-BA7E-EAF0C0E0891D}" type="datetimeFigureOut">
               <a:rPr lang="ko-KR" altLang="en-US" smtClean="0"/>
-              <a:t>2022-11-19</a:t>
+              <a:t>2025. 10. 19.</a:t>
             </a:fld>
             <a:endParaRPr lang="ko-KR" altLang="en-US"/>
           </a:p>
@@ -2701,13 +2386,13 @@
     </p:spTree>
     <p:extLst>
       <p:ext uri="{BB962C8B-B14F-4D97-AF65-F5344CB8AC3E}">
-        <p14:creationId xmlns:p14="http://schemas.microsoft.com/office/powerpoint/2010/main" val="1386708671"/>
+        <p14:creationId xmlns:p14="http://schemas.microsoft.com/office/powerpoint/2010/main" val="793436701"/>
       </p:ext>
     </p:extLst>
   </p:cSld>
   <p:clrMap bg1="lt1" tx1="dk1" bg2="lt2" tx2="dk2" accent1="accent1" accent2="accent2" accent3="accent3" accent4="accent4" accent5="accent5" accent6="accent6" hlink="hlink" folHlink="folHlink"/>
   <p:sldLayoutIdLst>
-    <p:sldLayoutId id="2147483661" r:id="rId1"/>
+    <p:sldLayoutId id="2147483671" r:id="rId1"/>
   </p:sldLayoutIdLst>
   <p:txStyles>
     <p:titleStyle>
@@ -3089,16 +2774,15 @@
         </p:spPr>
         <p:txBody>
           <a:bodyPr>
-            <a:normAutofit fontScale="90000"/>
+            <a:normAutofit/>
           </a:bodyPr>
           <a:lstStyle/>
           <a:p>
             <a:r>
-              <a:rPr lang="ko-KR" altLang="en-US"/>
-              <a:t>어린양을 따라
-어디든지 가리라</a:t>
-            </a:r>
-            <a:endParaRPr lang="ko-KR" altLang="en-US" dirty="0"/>
+              <a:rPr lang="ko-KR" altLang="en-US" sz="4800"/>
+              <a:t>영원하신 승리의 왕</a:t>
+            </a:r>
+            <a:endParaRPr lang="ko-KR" altLang="en-US" sz="4800" dirty="0"/>
           </a:p>
         </p:txBody>
       </p:sp>
@@ -3118,9 +2802,8 @@
           <a:lstStyle/>
           <a:p>
             <a:r>
-              <a:rPr lang="en-US" dirty="0"/>
-              <a:t>Stirring hearts for battle
-Lamb of God we follow you</a:t>
+              <a:rPr lang="en-US"/>
+              <a:t>Where you will go to victory</a:t>
             </a:r>
           </a:p>
         </p:txBody>
@@ -3130,180 +2813,6 @@
   <p:clrMapOvr>
     <a:masterClrMapping/>
   </p:clrMapOvr>
-</p:sld>
-</file>
-
-<file path=ppt/slides/slide11.xml><?xml version="1.0" encoding="utf-8"?>
-<p:sld xmlns:a="http://schemas.openxmlformats.org/drawingml/2006/main" xmlns:r="http://schemas.openxmlformats.org/officeDocument/2006/relationships" xmlns:p="http://schemas.openxmlformats.org/presentationml/2006/main">
-  <p:cSld>
-    <p:spTree>
-      <p:nvGrpSpPr>
-        <p:cNvPr id="1" name=""/>
-        <p:cNvGrpSpPr/>
-        <p:nvPr/>
-      </p:nvGrpSpPr>
-      <p:grpSpPr>
-        <a:xfrm>
-          <a:off x="0" y="0"/>
-          <a:ext cx="0" cy="0"/>
-          <a:chOff x="0" y="0"/>
-          <a:chExt cx="0" cy="0"/>
-        </a:xfrm>
-      </p:grpSpPr>
-      <p:sp>
-        <p:nvSpPr>
-          <p:cNvPr id="2" name="Title 1"/>
-          <p:cNvSpPr>
-            <a:spLocks noGrp="1"/>
-          </p:cNvSpPr>
-          <p:nvPr>
-            <p:ph type="ctrTitle" idx="4294967295"/>
-          </p:nvPr>
-        </p:nvSpPr>
-        <p:spPr>
-          <a:xfrm>
-            <a:off x="0" y="3044958"/>
-            <a:ext cx="12192000" cy="1347021"/>
-          </a:xfrm>
-        </p:spPr>
-        <p:txBody>
-          <a:bodyPr>
-            <a:normAutofit/>
-          </a:bodyPr>
-          <a:lstStyle/>
-          <a:p>
-            <a:r>
-              <a:rPr lang="ko-KR" altLang="en-US" sz="4800"/>
-              <a:t>영원하신 승리의 왕</a:t>
-            </a:r>
-            <a:endParaRPr lang="ko-KR" altLang="en-US" sz="4800" dirty="0"/>
-          </a:p>
-        </p:txBody>
-      </p:sp>
-      <p:sp>
-        <p:nvSpPr>
-          <p:cNvPr id="3" name="Text Placeholder 2"/>
-          <p:cNvSpPr>
-            <a:spLocks noGrp="1"/>
-          </p:cNvSpPr>
-          <p:nvPr>
-            <p:ph type="body" sz="quarter" idx="10"/>
-          </p:nvPr>
-        </p:nvSpPr>
-        <p:spPr/>
-        <p:txBody>
-          <a:bodyPr/>
-          <a:lstStyle/>
-          <a:p>
-            <a:r>
-              <a:rPr lang="en-US"/>
-              <a:t>Where you will go to victory</a:t>
-            </a:r>
-          </a:p>
-        </p:txBody>
-      </p:sp>
-    </p:spTree>
-  </p:cSld>
-  <p:clrMapOvr>
-    <a:masterClrMapping/>
-  </p:clrMapOvr>
-</p:sld>
-</file>
-
-<file path=ppt/slides/slide12.xml><?xml version="1.0" encoding="utf-8"?>
-<p:sld xmlns:a="http://schemas.openxmlformats.org/drawingml/2006/main" xmlns:r="http://schemas.openxmlformats.org/officeDocument/2006/relationships" xmlns:p="http://schemas.openxmlformats.org/presentationml/2006/main">
-  <p:cSld>
-    <p:spTree>
-      <p:nvGrpSpPr>
-        <p:cNvPr id="1" name=""/>
-        <p:cNvGrpSpPr/>
-        <p:nvPr/>
-      </p:nvGrpSpPr>
-      <p:grpSpPr>
-        <a:xfrm>
-          <a:off x="0" y="0"/>
-          <a:ext cx="0" cy="0"/>
-          <a:chOff x="0" y="0"/>
-          <a:chExt cx="0" cy="0"/>
-        </a:xfrm>
-      </p:grpSpPr>
-      <p:sp>
-        <p:nvSpPr>
-          <p:cNvPr id="4" name="제목 3">
-            <a:extLst>
-              <a:ext uri="{FF2B5EF4-FFF2-40B4-BE49-F238E27FC236}">
-                <a16:creationId xmlns:a16="http://schemas.microsoft.com/office/drawing/2014/main" id="{16FB3321-A572-478B-A17A-96240AE5D1A7}"/>
-              </a:ext>
-            </a:extLst>
-          </p:cNvPr>
-          <p:cNvSpPr>
-            <a:spLocks noGrp="1"/>
-          </p:cNvSpPr>
-          <p:nvPr>
-            <p:ph type="ctrTitle" idx="4294967295"/>
-          </p:nvPr>
-        </p:nvSpPr>
-        <p:spPr>
-          <a:xfrm>
-            <a:off x="0" y="3044958"/>
-            <a:ext cx="12192000" cy="1347021"/>
-          </a:xfrm>
-        </p:spPr>
-        <p:txBody>
-          <a:bodyPr/>
-          <a:lstStyle/>
-          <a:p>
-            <a:endParaRPr lang="ko-KR" altLang="en-US"/>
-          </a:p>
-        </p:txBody>
-      </p:sp>
-      <p:sp>
-        <p:nvSpPr>
-          <p:cNvPr id="5" name="텍스트 개체 틀 4">
-            <a:extLst>
-              <a:ext uri="{FF2B5EF4-FFF2-40B4-BE49-F238E27FC236}">
-                <a16:creationId xmlns:a16="http://schemas.microsoft.com/office/drawing/2014/main" id="{8E1AA432-C0B3-46B5-BE50-3248D223F84B}"/>
-              </a:ext>
-            </a:extLst>
-          </p:cNvPr>
-          <p:cNvSpPr>
-            <a:spLocks noGrp="1"/>
-          </p:cNvSpPr>
-          <p:nvPr>
-            <p:ph type="body" sz="quarter" idx="10"/>
-          </p:nvPr>
-        </p:nvSpPr>
-        <p:spPr/>
-        <p:txBody>
-          <a:bodyPr/>
-          <a:lstStyle/>
-          <a:p>
-            <a:endParaRPr lang="ko-KR" altLang="en-US"/>
-          </a:p>
-        </p:txBody>
-      </p:sp>
-    </p:spTree>
-    <p:extLst>
-      <p:ext uri="{BB962C8B-B14F-4D97-AF65-F5344CB8AC3E}">
-        <p14:creationId xmlns:p14="http://schemas.microsoft.com/office/powerpoint/2010/main" val="523282543"/>
-      </p:ext>
-    </p:extLst>
-  </p:cSld>
-  <p:clrMapOvr>
-    <a:masterClrMapping/>
-  </p:clrMapOvr>
-  <mc:AlternateContent xmlns:mc="http://schemas.openxmlformats.org/markup-compatibility/2006" xmlns:p14="http://schemas.microsoft.com/office/powerpoint/2010/main">
-    <mc:Choice Requires="p14">
-      <p:transition spd="med" p14:dur="700">
-        <p:fade/>
-      </p:transition>
-    </mc:Choice>
-    <mc:Fallback xmlns="">
-      <p:transition spd="med">
-        <p:fade/>
-      </p:transition>
-    </mc:Fallback>
-  </mc:AlternateContent>
 </p:sld>
 </file>
 
@@ -3342,35 +2851,51 @@
         </p:spPr>
         <p:txBody>
           <a:bodyPr>
+            <a:normAutofit fontScale="90000"/>
+          </a:bodyPr>
+          <a:lstStyle/>
+          <a:p>
+            <a:r>
+              <a:rPr lang="ko-KR" altLang="en-US"/>
+              <a:t>하늘 가득한 주의 영광
+우리 선포해</a:t>
+            </a:r>
+            <a:endParaRPr lang="ko-KR" altLang="en-US" dirty="0"/>
+          </a:p>
+        </p:txBody>
+      </p:sp>
+      <p:sp>
+        <p:nvSpPr>
+          <p:cNvPr id="3" name="Text Placeholder 2"/>
+          <p:cNvSpPr>
+            <a:spLocks noGrp="1"/>
+          </p:cNvSpPr>
+          <p:nvPr>
+            <p:ph type="body" sz="quarter" idx="10"/>
+          </p:nvPr>
+        </p:nvSpPr>
+        <p:spPr>
+          <a:xfrm>
+            <a:off x="-992" y="666658"/>
+            <a:ext cx="12193984" cy="2762341"/>
+          </a:xfrm>
+        </p:spPr>
+        <p:txBody>
+          <a:bodyPr>
             <a:normAutofit/>
           </a:bodyPr>
           <a:lstStyle/>
           <a:p>
             <a:r>
-              <a:rPr lang="ko-KR" altLang="en-US" sz="4800" dirty="0"/>
-              <a:t>찬양해</a:t>
-            </a:r>
-          </a:p>
-        </p:txBody>
-      </p:sp>
-      <p:sp>
-        <p:nvSpPr>
-          <p:cNvPr id="3" name="Text Placeholder 2"/>
-          <p:cNvSpPr>
-            <a:spLocks noGrp="1"/>
-          </p:cNvSpPr>
-          <p:nvPr>
-            <p:ph type="body" sz="quarter" idx="10"/>
-          </p:nvPr>
-        </p:nvSpPr>
-        <p:spPr/>
-        <p:txBody>
-          <a:bodyPr/>
-          <a:lstStyle/>
-          <a:p>
-            <a:r>
-              <a:rPr lang="en-US"/>
+              <a:rPr lang="en-US" dirty="0"/>
               <a:t>Sing, sing, sing</a:t>
+            </a:r>
+          </a:p>
+          <a:p>
+            <a:r>
+              <a:rPr lang="en-US" dirty="0"/>
+              <a:t>And make music with the heavens
+We will sing, sing, sing</a:t>
             </a:r>
           </a:p>
         </p:txBody>
@@ -3424,8 +2949,8 @@
           <a:p>
             <a:r>
               <a:rPr lang="ko-KR" altLang="en-US"/>
-              <a:t>하늘 가득한 주의 영광
-우리 선포해</a:t>
+              <a:t>영원한 주의 나라 모두 경배해
+영광의 왕</a:t>
             </a:r>
             <a:endParaRPr lang="ko-KR" altLang="en-US" dirty="0"/>
           </a:p>
@@ -3450,8 +2975,13 @@
           <a:p>
             <a:r>
               <a:rPr lang="en-US" dirty="0"/>
-              <a:t>And make music with the heavens
-We will sing, sing, sing</a:t>
+              <a:t>Grateful that you hear us when we </a:t>
+            </a:r>
+          </a:p>
+          <a:p>
+            <a:r>
+              <a:rPr lang="en-US" dirty="0"/>
+              <a:t>Shout your praise lift high the name</a:t>
             </a:r>
           </a:p>
         </p:txBody>
@@ -3499,45 +3029,36 @@
         </p:spPr>
         <p:txBody>
           <a:bodyPr>
-            <a:normAutofit fontScale="90000"/>
-          </a:bodyPr>
-          <a:lstStyle/>
-          <a:p>
-            <a:r>
-              <a:rPr lang="ko-KR" altLang="en-US"/>
-              <a:t>영원한 주의 나라 모두 경배해
-영광의 왕</a:t>
-            </a:r>
-            <a:endParaRPr lang="ko-KR" altLang="en-US" dirty="0"/>
-          </a:p>
-        </p:txBody>
-      </p:sp>
-      <p:sp>
-        <p:nvSpPr>
-          <p:cNvPr id="3" name="Text Placeholder 2"/>
-          <p:cNvSpPr>
-            <a:spLocks noGrp="1"/>
-          </p:cNvSpPr>
-          <p:nvPr>
-            <p:ph type="body" sz="quarter" idx="10"/>
-          </p:nvPr>
-        </p:nvSpPr>
-        <p:spPr/>
-        <p:txBody>
-          <a:bodyPr>
             <a:normAutofit/>
           </a:bodyPr>
           <a:lstStyle/>
           <a:p>
             <a:r>
+              <a:rPr lang="ko-KR" altLang="en-US" sz="4800"/>
+              <a:t>주 예수</a:t>
+            </a:r>
+            <a:endParaRPr lang="ko-KR" altLang="en-US" sz="4800" dirty="0"/>
+          </a:p>
+        </p:txBody>
+      </p:sp>
+      <p:sp>
+        <p:nvSpPr>
+          <p:cNvPr id="3" name="Text Placeholder 2"/>
+          <p:cNvSpPr>
+            <a:spLocks noGrp="1"/>
+          </p:cNvSpPr>
+          <p:nvPr>
+            <p:ph type="body" sz="quarter" idx="10"/>
+          </p:nvPr>
+        </p:nvSpPr>
+        <p:spPr/>
+        <p:txBody>
+          <a:bodyPr/>
+          <a:lstStyle/>
+          <a:p>
+            <a:r>
               <a:rPr lang="en-US" dirty="0"/>
-              <a:t>Grateful that you hear us when we </a:t>
-            </a:r>
-          </a:p>
-          <a:p>
-            <a:r>
-              <a:rPr lang="en-US" dirty="0"/>
-              <a:t>Shout your praise lift high the name</a:t>
+              <a:t>Of Jesus</a:t>
             </a:r>
           </a:p>
         </p:txBody>
@@ -3585,15 +3106,16 @@
         </p:spPr>
         <p:txBody>
           <a:bodyPr>
-            <a:normAutofit/>
+            <a:normAutofit fontScale="90000"/>
           </a:bodyPr>
           <a:lstStyle/>
           <a:p>
             <a:r>
-              <a:rPr lang="ko-KR" altLang="en-US" sz="4800"/>
-              <a:t>주 예수</a:t>
-            </a:r>
-            <a:endParaRPr lang="ko-KR" altLang="en-US" sz="4800" dirty="0"/>
+              <a:rPr lang="ko-KR" altLang="en-US"/>
+              <a:t>하나님의 어린양
+약속하신 그 아들</a:t>
+            </a:r>
+            <a:endParaRPr lang="ko-KR" altLang="en-US" dirty="0"/>
           </a:p>
         </p:txBody>
       </p:sp>
@@ -3614,7 +3136,8 @@
           <a:p>
             <a:r>
               <a:rPr lang="en-US" dirty="0"/>
-              <a:t>Of Jesus</a:t>
+              <a:t>The Son of promise, Jesus
+Who shed his blood and freed us</a:t>
             </a:r>
           </a:p>
         </p:txBody>
@@ -3668,8 +3191,8 @@
           <a:p>
             <a:r>
               <a:rPr lang="ko-KR" altLang="en-US"/>
-              <a:t>하나님의 어린양
-약속하신 그 아들</a:t>
+              <a:t>예언의 성취자
+길과 진리 되신 주</a:t>
             </a:r>
             <a:endParaRPr lang="ko-KR" altLang="en-US" dirty="0"/>
           </a:p>
@@ -3692,9 +3215,14 @@
           <a:p>
             <a:r>
               <a:rPr lang="en-US" dirty="0"/>
-              <a:t>The Son of promise, Jesus
-Who shed his blood and freed us</a:t>
-            </a:r>
+              <a:t>To fulfill history
+Son of God, you are </a:t>
+            </a:r>
+            <a:r>
+              <a:rPr lang="en-US"/>
+              <a:t>the One</a:t>
+            </a:r>
+            <a:endParaRPr lang="en-US" dirty="0"/>
           </a:p>
         </p:txBody>
       </p:sp>
@@ -3741,16 +3269,15 @@
         </p:spPr>
         <p:txBody>
           <a:bodyPr>
-            <a:normAutofit fontScale="90000"/>
+            <a:normAutofit/>
           </a:bodyPr>
           <a:lstStyle/>
           <a:p>
             <a:r>
-              <a:rPr lang="ko-KR" altLang="en-US"/>
-              <a:t>예언의 성취자
-길과 진리 되신 주</a:t>
-            </a:r>
-            <a:endParaRPr lang="ko-KR" altLang="en-US" dirty="0"/>
+              <a:rPr lang="ko-KR" altLang="en-US" sz="4800"/>
+              <a:t>온 땅이여 경배하라</a:t>
+            </a:r>
+            <a:endParaRPr lang="ko-KR" altLang="en-US" sz="4800" dirty="0"/>
           </a:p>
         </p:txBody>
       </p:sp>
@@ -3771,14 +3298,9 @@
           <a:p>
             <a:r>
               <a:rPr lang="en-US" dirty="0"/>
-              <a:t>To fulfill history
-Son of God, you are </a:t>
-            </a:r>
-            <a:r>
-              <a:rPr lang="en-US"/>
-              <a:t>the One</a:t>
-            </a:r>
-            <a:endParaRPr lang="en-US" dirty="0"/>
+              <a:t>Let all the earth
+Proclaim your name</a:t>
+            </a:r>
           </a:p>
         </p:txBody>
       </p:sp>
@@ -3825,15 +3347,16 @@
         </p:spPr>
         <p:txBody>
           <a:bodyPr>
-            <a:normAutofit/>
+            <a:normAutofit fontScale="90000"/>
           </a:bodyPr>
           <a:lstStyle/>
           <a:p>
             <a:r>
-              <a:rPr lang="ko-KR" altLang="en-US" sz="4800"/>
-              <a:t>온 땅이여 경배하라</a:t>
-            </a:r>
-            <a:endParaRPr lang="ko-KR" altLang="en-US" sz="4800" dirty="0"/>
+              <a:rPr lang="ko-KR" altLang="en-US"/>
+              <a:t>거룩한 주의 군대
+전쟁의 나팔 소리</a:t>
+            </a:r>
+            <a:endParaRPr lang="ko-KR" altLang="en-US" dirty="0"/>
           </a:p>
         </p:txBody>
       </p:sp>
@@ -3853,9 +3376,9 @@
           <a:lstStyle/>
           <a:p>
             <a:r>
-              <a:rPr lang="en-US" dirty="0"/>
-              <a:t>Let all the earth
-Proclaim your name</a:t>
+              <a:rPr lang="en-US"/>
+              <a:t>God’s holy army rising
+Trumpets of war resounding</a:t>
             </a:r>
           </a:p>
         </p:txBody>
@@ -3909,8 +3432,8 @@
           <a:p>
             <a:r>
               <a:rPr lang="ko-KR" altLang="en-US"/>
-              <a:t>거룩한 주의 군대
-전쟁의 나팔 소리</a:t>
+              <a:t>어린양을 따라
+어디든지 가리라</a:t>
             </a:r>
             <a:endParaRPr lang="ko-KR" altLang="en-US" dirty="0"/>
           </a:p>
@@ -3932,9 +3455,9 @@
           <a:lstStyle/>
           <a:p>
             <a:r>
-              <a:rPr lang="en-US"/>
-              <a:t>God’s holy army rising
-Trumpets of war resounding</a:t>
+              <a:rPr lang="en-US" dirty="0"/>
+              <a:t>Stirring hearts for battle
+Lamb of God we follow you</a:t>
             </a:r>
           </a:p>
         </p:txBody>
@@ -4233,7 +3756,7 @@
 </file>
 
 <file path=ppt/theme/theme2.xml><?xml version="1.0" encoding="utf-8"?>
-<a:theme xmlns:a="http://schemas.openxmlformats.org/drawingml/2006/main" name="Office 테마">
+<a:theme xmlns:a="http://schemas.openxmlformats.org/drawingml/2006/main" name="Office Theme">
   <a:themeElements>
     <a:clrScheme name="Office">
       <a:dk1>
@@ -4275,7 +3798,7 @@
     </a:clrScheme>
     <a:fontScheme name="Office">
       <a:majorFont>
-        <a:latin typeface="맑은 고딕" panose="020F0302020204030204"/>
+        <a:latin typeface="Calibri Light" panose="020F0302020204030204"/>
         <a:ea typeface=""/>
         <a:cs typeface=""/>
         <a:font script="Jpan" typeface="游ゴシック Light"/>
@@ -4327,7 +3850,7 @@
         <a:font script="Tfng" typeface="Ebrima"/>
       </a:majorFont>
       <a:minorFont>
-        <a:latin typeface="맑은 고딕" panose="020F0502020204030204"/>
+        <a:latin typeface="Calibri" panose="020F0502020204030204"/>
         <a:ea typeface=""/>
         <a:cs typeface=""/>
         <a:font script="Jpan" typeface="游ゴシック"/>
